--- a/Exposiciones/Puntos por historia de usuarioHVG.pptx
+++ b/Exposiciones/Puntos por historia de usuarioHVG.pptx
@@ -9,14 +9,9 @@
     <p:sldId id="257" r:id="rId3"/>
     <p:sldId id="259" r:id="rId4"/>
     <p:sldId id="260" r:id="rId5"/>
-    <p:sldId id="261" r:id="rId6"/>
-    <p:sldId id="262" r:id="rId7"/>
-    <p:sldId id="266" r:id="rId8"/>
-    <p:sldId id="272" r:id="rId9"/>
-    <p:sldId id="268" r:id="rId10"/>
-    <p:sldId id="269" r:id="rId11"/>
-    <p:sldId id="270" r:id="rId12"/>
-    <p:sldId id="271" r:id="rId13"/>
+    <p:sldId id="262" r:id="rId6"/>
+    <p:sldId id="266" r:id="rId7"/>
+    <p:sldId id="272" r:id="rId8"/>
   </p:sldIdLst>
   <p:sldSz cx="12192000" cy="6858000"/>
   <p:notesSz cx="6858000" cy="9144000"/>
@@ -117,7 +112,7 @@
   </p:defaultTextStyle>
   <p:extLst>
     <p:ext uri="{EFAFB233-063F-42B5-8137-9DF3F51BA10A}">
-      <p15:sldGuideLst xmlns:p15="http://schemas.microsoft.com/office/powerpoint/2012/main" xmlns=""/>
+      <p15:sldGuideLst xmlns="" xmlns:p15="http://schemas.microsoft.com/office/powerpoint/2012/main"/>
     </p:ext>
   </p:extLst>
 </p:presentation>
@@ -1935,7 +1930,7 @@
           <a:p>
             <a:fld id="{EC2A29EB-B1E9-45F6-B8D4-76E91716F2C0}" type="datetimeFigureOut">
               <a:rPr lang="es-MX" smtClean="0"/>
-              <a:t>04/03/2015</a:t>
+              <a:t>05/03/2015</a:t>
             </a:fld>
             <a:endParaRPr lang="es-MX"/>
           </a:p>
@@ -2116,7 +2111,7 @@
           <a:p>
             <a:fld id="{EC2A29EB-B1E9-45F6-B8D4-76E91716F2C0}" type="datetimeFigureOut">
               <a:rPr lang="es-MX" smtClean="0"/>
-              <a:t>04/03/2015</a:t>
+              <a:t>05/03/2015</a:t>
             </a:fld>
             <a:endParaRPr lang="es-MX"/>
           </a:p>
@@ -2267,7 +2262,7 @@
           <a:p>
             <a:fld id="{EC2A29EB-B1E9-45F6-B8D4-76E91716F2C0}" type="datetimeFigureOut">
               <a:rPr lang="es-MX" smtClean="0"/>
-              <a:t>04/03/2015</a:t>
+              <a:t>05/03/2015</a:t>
             </a:fld>
             <a:endParaRPr lang="es-MX"/>
           </a:p>
@@ -4093,7 +4088,7 @@
           <a:p>
             <a:fld id="{EC2A29EB-B1E9-45F6-B8D4-76E91716F2C0}" type="datetimeFigureOut">
               <a:rPr lang="es-MX" smtClean="0"/>
-              <a:t>04/03/2015</a:t>
+              <a:t>05/03/2015</a:t>
             </a:fld>
             <a:endParaRPr lang="es-MX"/>
           </a:p>
@@ -5963,7 +5958,7 @@
           <a:p>
             <a:fld id="{EC2A29EB-B1E9-45F6-B8D4-76E91716F2C0}" type="datetimeFigureOut">
               <a:rPr lang="es-MX" smtClean="0"/>
-              <a:t>04/03/2015</a:t>
+              <a:t>05/03/2015</a:t>
             </a:fld>
             <a:endParaRPr lang="es-MX"/>
           </a:p>
@@ -6076,7 +6071,7 @@
           <a:p>
             <a:fld id="{EC2A29EB-B1E9-45F6-B8D4-76E91716F2C0}" type="datetimeFigureOut">
               <a:rPr lang="es-MX" smtClean="0"/>
-              <a:t>04/03/2015</a:t>
+              <a:t>05/03/2015</a:t>
             </a:fld>
             <a:endParaRPr lang="es-MX"/>
           </a:p>
@@ -6617,7 +6612,7 @@
           <a:p>
             <a:fld id="{EC2A29EB-B1E9-45F6-B8D4-76E91716F2C0}" type="datetimeFigureOut">
               <a:rPr lang="es-MX" smtClean="0"/>
-              <a:t>04/03/2015</a:t>
+              <a:t>05/03/2015</a:t>
             </a:fld>
             <a:endParaRPr lang="es-MX"/>
           </a:p>
@@ -6730,7 +6725,7 @@
           <a:p>
             <a:fld id="{EC2A29EB-B1E9-45F6-B8D4-76E91716F2C0}" type="datetimeFigureOut">
               <a:rPr lang="es-MX" smtClean="0"/>
-              <a:t>04/03/2015</a:t>
+              <a:t>05/03/2015</a:t>
             </a:fld>
             <a:endParaRPr lang="es-MX"/>
           </a:p>
@@ -8441,7 +8436,7 @@
           <a:p>
             <a:fld id="{EC2A29EB-B1E9-45F6-B8D4-76E91716F2C0}" type="datetimeFigureOut">
               <a:rPr lang="es-MX" smtClean="0"/>
-              <a:t>04/03/2015</a:t>
+              <a:t>05/03/2015</a:t>
             </a:fld>
             <a:endParaRPr lang="es-MX"/>
           </a:p>
@@ -8592,7 +8587,7 @@
           <a:p>
             <a:fld id="{EC2A29EB-B1E9-45F6-B8D4-76E91716F2C0}" type="datetimeFigureOut">
               <a:rPr lang="es-MX" smtClean="0"/>
-              <a:t>04/03/2015</a:t>
+              <a:t>05/03/2015</a:t>
             </a:fld>
             <a:endParaRPr lang="es-MX"/>
           </a:p>
@@ -12207,7 +12202,7 @@
           <a:p>
             <a:fld id="{EC2A29EB-B1E9-45F6-B8D4-76E91716F2C0}" type="datetimeFigureOut">
               <a:rPr lang="es-MX" smtClean="0"/>
-              <a:t>04/03/2015</a:t>
+              <a:t>05/03/2015</a:t>
             </a:fld>
             <a:endParaRPr lang="es-MX"/>
           </a:p>
@@ -14066,7 +14061,7 @@
           <a:p>
             <a:fld id="{EC2A29EB-B1E9-45F6-B8D4-76E91716F2C0}" type="datetimeFigureOut">
               <a:rPr lang="es-MX" smtClean="0"/>
-              <a:t>04/03/2015</a:t>
+              <a:t>05/03/2015</a:t>
             </a:fld>
             <a:endParaRPr lang="es-MX"/>
           </a:p>
@@ -14639,488 +14634,6 @@
 </p:sld>
 </file>
 
-<file path=ppt/slides/slide10.xml><?xml version="1.0" encoding="utf-8"?>
-<p:sld xmlns:a="http://schemas.openxmlformats.org/drawingml/2006/main" xmlns:r="http://schemas.openxmlformats.org/officeDocument/2006/relationships" xmlns:p="http://schemas.openxmlformats.org/presentationml/2006/main">
-  <p:cSld>
-    <p:spTree>
-      <p:nvGrpSpPr>
-        <p:cNvPr id="1" name=""/>
-        <p:cNvGrpSpPr/>
-        <p:nvPr/>
-      </p:nvGrpSpPr>
-      <p:grpSpPr>
-        <a:xfrm>
-          <a:off x="0" y="0"/>
-          <a:ext cx="0" cy="0"/>
-          <a:chOff x="0" y="0"/>
-          <a:chExt cx="0" cy="0"/>
-        </a:xfrm>
-      </p:grpSpPr>
-      <p:sp>
-        <p:nvSpPr>
-          <p:cNvPr id="3" name="Marcador de contenido 2"/>
-          <p:cNvSpPr>
-            <a:spLocks noGrp="1"/>
-          </p:cNvSpPr>
-          <p:nvPr>
-            <p:ph idx="1"/>
-          </p:nvPr>
-        </p:nvSpPr>
-        <p:spPr>
-          <a:xfrm>
-            <a:off x="754316" y="1462436"/>
-            <a:ext cx="11081367" cy="3636511"/>
-          </a:xfrm>
-        </p:spPr>
-        <p:txBody>
-          <a:bodyPr>
-            <a:normAutofit/>
-          </a:bodyPr>
-          <a:lstStyle/>
-          <a:p>
-            <a:pPr algn="just" fontAlgn="base"/>
-            <a:r>
-              <a:rPr lang="es-MX" sz="1900" dirty="0"/>
-              <a:t>Se hace para tener una perspectiva de todo lo que se quiere hacer y tener claras las prioridades del cliente.</a:t>
-            </a:r>
-          </a:p>
-          <a:p>
-            <a:pPr algn="just" fontAlgn="base"/>
-            <a:r>
-              <a:rPr lang="es-MX" sz="1900" dirty="0"/>
-              <a:t>Ayuda a que el equipo sea más </a:t>
-            </a:r>
-            <a:r>
-              <a:rPr lang="es-MX" sz="1900" dirty="0" err="1"/>
-              <a:t>autodisciplinado</a:t>
-            </a:r>
-            <a:r>
-              <a:rPr lang="es-MX" sz="1900" dirty="0"/>
-              <a:t> y respete las prioridades del cliente.</a:t>
-            </a:r>
-          </a:p>
-          <a:p>
-            <a:pPr algn="just" fontAlgn="base"/>
-            <a:r>
-              <a:rPr lang="es-MX" sz="1900" dirty="0"/>
-              <a:t>También permite que el cliente pueda introducir cambios durante la vida del proyecto.</a:t>
-            </a:r>
-          </a:p>
-          <a:p>
-            <a:pPr algn="just" fontAlgn="base"/>
-            <a:r>
-              <a:rPr lang="es-MX" sz="1900" dirty="0"/>
-              <a:t>Ayuda a manejar la incertidumbre durante el proyecto porque empuja a describir con más detalle las historias más importantes y a relativizar la importancia de detallar historias de menor prioridad.</a:t>
-            </a:r>
-          </a:p>
-          <a:p>
-            <a:pPr algn="just" fontAlgn="base"/>
-            <a:r>
-              <a:rPr lang="es-MX" sz="1900" dirty="0"/>
-              <a:t>Es más ligero que un documento de requisitos exhaustivo.</a:t>
-            </a:r>
-          </a:p>
-        </p:txBody>
-      </p:sp>
-      <p:sp>
-        <p:nvSpPr>
-          <p:cNvPr id="2" name="Título 1"/>
-          <p:cNvSpPr>
-            <a:spLocks noGrp="1"/>
-          </p:cNvSpPr>
-          <p:nvPr>
-            <p:ph type="title"/>
-          </p:nvPr>
-        </p:nvSpPr>
-        <p:spPr/>
-        <p:txBody>
-          <a:bodyPr/>
-          <a:lstStyle/>
-          <a:p>
-            <a:r>
-              <a:rPr lang="es-MX" b="1" dirty="0"/>
-              <a:t>¿Para qué sirve</a:t>
-            </a:r>
-            <a:r>
-              <a:rPr lang="es-MX" b="1" dirty="0" smtClean="0"/>
-              <a:t>? (</a:t>
-            </a:r>
-            <a:r>
-              <a:rPr lang="es-MX" dirty="0"/>
-              <a:t>pila de producto</a:t>
-            </a:r>
-            <a:r>
-              <a:rPr lang="es-MX" b="1" dirty="0" smtClean="0"/>
-              <a:t>)</a:t>
-            </a:r>
-            <a:endParaRPr lang="es-MX" dirty="0"/>
-          </a:p>
-        </p:txBody>
-      </p:sp>
-      <p:pic>
-        <p:nvPicPr>
-          <p:cNvPr id="4" name="3 Marcador de contenido"/>
-          <p:cNvPicPr>
-            <a:picLocks noChangeAspect="1"/>
-          </p:cNvPicPr>
-          <p:nvPr/>
-        </p:nvPicPr>
-        <p:blipFill>
-          <a:blip r:embed="rId2">
-            <a:extLst>
-              <a:ext uri="{28A0092B-C50C-407E-A947-70E740481C1C}">
-                <a14:useLocalDpi xmlns:a14="http://schemas.microsoft.com/office/drawing/2010/main" val="0"/>
-              </a:ext>
-            </a:extLst>
-          </a:blip>
-          <a:stretch>
-            <a:fillRect/>
-          </a:stretch>
-        </p:blipFill>
-        <p:spPr>
-          <a:xfrm>
-            <a:off x="3451539" y="3579844"/>
-            <a:ext cx="5473521" cy="3072235"/>
-          </a:xfrm>
-          <a:prstGeom prst="rect">
-            <a:avLst/>
-          </a:prstGeom>
-        </p:spPr>
-      </p:pic>
-    </p:spTree>
-    <p:extLst>
-      <p:ext uri="{BB962C8B-B14F-4D97-AF65-F5344CB8AC3E}">
-        <p14:creationId xmlns:p14="http://schemas.microsoft.com/office/powerpoint/2010/main" val="2574268909"/>
-      </p:ext>
-    </p:extLst>
-  </p:cSld>
-  <p:clrMapOvr>
-    <a:masterClrMapping/>
-  </p:clrMapOvr>
-  <mc:AlternateContent xmlns:mc="http://schemas.openxmlformats.org/markup-compatibility/2006" xmlns:p14="http://schemas.microsoft.com/office/powerpoint/2010/main">
-    <mc:Choice Requires="p14">
-      <p:transition spd="slow" p14:dur="2000"/>
-    </mc:Choice>
-    <mc:Fallback xmlns="">
-      <p:transition spd="slow"/>
-    </mc:Fallback>
-  </mc:AlternateContent>
-  <p:timing>
-    <p:tnLst>
-      <p:par>
-        <p:cTn id="1" dur="indefinite" restart="never" nodeType="tmRoot"/>
-      </p:par>
-    </p:tnLst>
-  </p:timing>
-</p:sld>
-</file>
-
-<file path=ppt/slides/slide11.xml><?xml version="1.0" encoding="utf-8"?>
-<p:sld xmlns:a="http://schemas.openxmlformats.org/drawingml/2006/main" xmlns:r="http://schemas.openxmlformats.org/officeDocument/2006/relationships" xmlns:p="http://schemas.openxmlformats.org/presentationml/2006/main">
-  <p:cSld>
-    <p:spTree>
-      <p:nvGrpSpPr>
-        <p:cNvPr id="1" name=""/>
-        <p:cNvGrpSpPr/>
-        <p:nvPr/>
-      </p:nvGrpSpPr>
-      <p:grpSpPr>
-        <a:xfrm>
-          <a:off x="0" y="0"/>
-          <a:ext cx="0" cy="0"/>
-          <a:chOff x="0" y="0"/>
-          <a:chExt cx="0" cy="0"/>
-        </a:xfrm>
-      </p:grpSpPr>
-      <p:sp>
-        <p:nvSpPr>
-          <p:cNvPr id="3" name="Marcador de contenido 2"/>
-          <p:cNvSpPr>
-            <a:spLocks noGrp="1"/>
-          </p:cNvSpPr>
-          <p:nvPr>
-            <p:ph idx="1"/>
-          </p:nvPr>
-        </p:nvSpPr>
-        <p:spPr>
-          <a:xfrm>
-            <a:off x="818712" y="2441230"/>
-            <a:ext cx="10554574" cy="3636511"/>
-          </a:xfrm>
-        </p:spPr>
-        <p:txBody>
-          <a:bodyPr>
-            <a:normAutofit/>
-          </a:bodyPr>
-          <a:lstStyle/>
-          <a:p>
-            <a:pPr algn="just" fontAlgn="base"/>
-            <a:r>
-              <a:rPr lang="es-MX" sz="1900" dirty="0"/>
-              <a:t>Considerar la pila de producto como un contrato. Sólo es una herramienta de planificación.</a:t>
-            </a:r>
-          </a:p>
-          <a:p>
-            <a:pPr algn="just" fontAlgn="base"/>
-            <a:r>
-              <a:rPr lang="es-MX" sz="1900" dirty="0"/>
-              <a:t>Cambiar prioridades sin el consentimiento del dueño del producto.</a:t>
-            </a:r>
-          </a:p>
-          <a:p>
-            <a:pPr algn="just" fontAlgn="base"/>
-            <a:r>
-              <a:rPr lang="es-MX" sz="1900" dirty="0"/>
-              <a:t>Introducir en </a:t>
-            </a:r>
-            <a:r>
-              <a:rPr lang="es-MX" sz="1900" dirty="0" smtClean="0"/>
-              <a:t>la pila </a:t>
-            </a:r>
-            <a:r>
-              <a:rPr lang="es-MX" sz="1900" dirty="0"/>
-              <a:t>historias de deuda técnica. Los defectos del equipo no los paga el cliente, sino que reducen la velocidad.</a:t>
-            </a:r>
-          </a:p>
-          <a:p>
-            <a:pPr algn="just" fontAlgn="base"/>
-            <a:r>
-              <a:rPr lang="es-MX" sz="1900" dirty="0"/>
-              <a:t>Preocuparse por describir con mucho detalle historias que están muy abajo en </a:t>
-            </a:r>
-            <a:r>
-              <a:rPr lang="es-MX" sz="1900" dirty="0" smtClean="0"/>
-              <a:t>la pila.</a:t>
-            </a:r>
-            <a:endParaRPr lang="es-MX" sz="1900" dirty="0"/>
-          </a:p>
-          <a:p>
-            <a:pPr algn="just" fontAlgn="base"/>
-            <a:r>
-              <a:rPr lang="es-MX" sz="1900" dirty="0"/>
-              <a:t>No actualizar el plan de </a:t>
-            </a:r>
-            <a:r>
-              <a:rPr lang="es-MX" sz="1900" dirty="0" smtClean="0"/>
-              <a:t>entrega</a:t>
-            </a:r>
-            <a:r>
-              <a:rPr lang="es-MX" sz="1900" dirty="0"/>
-              <a:t> (¿qué pretendemos entregar en cada nueva versión?) cuando introducimos nuevas historias o reestimamos las existentes</a:t>
-            </a:r>
-            <a:r>
-              <a:rPr lang="es-MX" sz="1900" dirty="0" smtClean="0"/>
-              <a:t>.</a:t>
-            </a:r>
-            <a:endParaRPr lang="es-MX" sz="1900" dirty="0"/>
-          </a:p>
-        </p:txBody>
-      </p:sp>
-      <p:sp>
-        <p:nvSpPr>
-          <p:cNvPr id="2" name="Título 1"/>
-          <p:cNvSpPr>
-            <a:spLocks noGrp="1"/>
-          </p:cNvSpPr>
-          <p:nvPr>
-            <p:ph type="title"/>
-          </p:nvPr>
-        </p:nvSpPr>
-        <p:spPr/>
-        <p:txBody>
-          <a:bodyPr/>
-          <a:lstStyle/>
-          <a:p>
-            <a:r>
-              <a:rPr lang="es-MX" b="1" dirty="0" smtClean="0"/>
-              <a:t>Malas </a:t>
-            </a:r>
-            <a:r>
-              <a:rPr lang="es-MX" dirty="0"/>
-              <a:t>prácticas</a:t>
-            </a:r>
-            <a:r>
-              <a:rPr lang="es-MX" dirty="0" smtClean="0"/>
-              <a:t>: Pila </a:t>
-            </a:r>
-            <a:r>
-              <a:rPr lang="es-MX" dirty="0"/>
-              <a:t>de </a:t>
-            </a:r>
-            <a:r>
-              <a:rPr lang="es-MX" dirty="0" smtClean="0"/>
-              <a:t>producto	</a:t>
-            </a:r>
-            <a:endParaRPr lang="es-MX" dirty="0"/>
-          </a:p>
-        </p:txBody>
-      </p:sp>
-    </p:spTree>
-    <p:extLst>
-      <p:ext uri="{BB962C8B-B14F-4D97-AF65-F5344CB8AC3E}">
-        <p14:creationId xmlns:p14="http://schemas.microsoft.com/office/powerpoint/2010/main" val="874933104"/>
-      </p:ext>
-    </p:extLst>
-  </p:cSld>
-  <p:clrMapOvr>
-    <a:masterClrMapping/>
-  </p:clrMapOvr>
-  <mc:AlternateContent xmlns:mc="http://schemas.openxmlformats.org/markup-compatibility/2006" xmlns:p14="http://schemas.microsoft.com/office/powerpoint/2010/main">
-    <mc:Choice Requires="p14">
-      <p:transition spd="slow" p14:dur="2000"/>
-    </mc:Choice>
-    <mc:Fallback xmlns="">
-      <p:transition spd="slow"/>
-    </mc:Fallback>
-  </mc:AlternateContent>
-  <p:timing>
-    <p:tnLst>
-      <p:par>
-        <p:cTn id="1" dur="indefinite" restart="never" nodeType="tmRoot"/>
-      </p:par>
-    </p:tnLst>
-  </p:timing>
-</p:sld>
-</file>
-
-<file path=ppt/slides/slide12.xml><?xml version="1.0" encoding="utf-8"?>
-<p:sld xmlns:a="http://schemas.openxmlformats.org/drawingml/2006/main" xmlns:r="http://schemas.openxmlformats.org/officeDocument/2006/relationships" xmlns:p="http://schemas.openxmlformats.org/presentationml/2006/main">
-  <p:cSld>
-    <p:spTree>
-      <p:nvGrpSpPr>
-        <p:cNvPr id="1" name=""/>
-        <p:cNvGrpSpPr/>
-        <p:nvPr/>
-      </p:nvGrpSpPr>
-      <p:grpSpPr>
-        <a:xfrm>
-          <a:off x="0" y="0"/>
-          <a:ext cx="0" cy="0"/>
-          <a:chOff x="0" y="0"/>
-          <a:chExt cx="0" cy="0"/>
-        </a:xfrm>
-      </p:grpSpPr>
-      <p:sp>
-        <p:nvSpPr>
-          <p:cNvPr id="3" name="Marcador de contenido 2"/>
-          <p:cNvSpPr>
-            <a:spLocks noGrp="1"/>
-          </p:cNvSpPr>
-          <p:nvPr>
-            <p:ph idx="1"/>
-          </p:nvPr>
-        </p:nvSpPr>
-        <p:spPr>
-          <a:xfrm>
-            <a:off x="818711" y="2660168"/>
-            <a:ext cx="11029851" cy="3636511"/>
-          </a:xfrm>
-        </p:spPr>
-        <p:txBody>
-          <a:bodyPr>
-            <a:normAutofit/>
-          </a:bodyPr>
-          <a:lstStyle/>
-          <a:p>
-            <a:pPr fontAlgn="base"/>
-            <a:r>
-              <a:rPr lang="es-MX" dirty="0"/>
-              <a:t>Escribir historias que dicen cómo se hará en vez de qué se debe </a:t>
-            </a:r>
-            <a:r>
-              <a:rPr lang="es-MX" dirty="0" smtClean="0"/>
-              <a:t>hacer</a:t>
-            </a:r>
-            <a:endParaRPr lang="es-MX" dirty="0"/>
-          </a:p>
-          <a:p>
-            <a:pPr fontAlgn="base"/>
-            <a:r>
-              <a:rPr lang="es-MX" dirty="0"/>
-              <a:t>Una Historia de usuario no es un Caso de uso porque no se centra en el cómo ni tampoco es una definición exhaustiva de los requisitos.</a:t>
-            </a:r>
-          </a:p>
-          <a:p>
-            <a:pPr fontAlgn="base"/>
-            <a:r>
-              <a:rPr lang="es-MX" dirty="0"/>
-              <a:t>No escribir el criterio de aceptación o no ser suficientemente explícito.</a:t>
-            </a:r>
-          </a:p>
-          <a:p>
-            <a:pPr fontAlgn="base"/>
-            <a:r>
-              <a:rPr lang="es-MX" dirty="0"/>
-              <a:t>No estimar una tarjeta puede crear falsas expectativas y dificulta la autodisciplina.</a:t>
-            </a:r>
-          </a:p>
-          <a:p>
-            <a:pPr fontAlgn="base"/>
-            <a:r>
-              <a:rPr lang="es-MX" dirty="0"/>
-              <a:t>Fiar todo a lo escrito en la tarjeta: a veces es necesaria documentación externa. </a:t>
-            </a:r>
-          </a:p>
-          <a:p>
-            <a:endParaRPr lang="es-MX" dirty="0"/>
-          </a:p>
-        </p:txBody>
-      </p:sp>
-      <p:sp>
-        <p:nvSpPr>
-          <p:cNvPr id="2" name="Título 1"/>
-          <p:cNvSpPr>
-            <a:spLocks noGrp="1"/>
-          </p:cNvSpPr>
-          <p:nvPr>
-            <p:ph type="title"/>
-          </p:nvPr>
-        </p:nvSpPr>
-        <p:spPr/>
-        <p:txBody>
-          <a:bodyPr/>
-          <a:lstStyle/>
-          <a:p>
-            <a:r>
-              <a:rPr lang="es-MX" b="1" dirty="0"/>
-              <a:t>Malas </a:t>
-            </a:r>
-            <a:r>
-              <a:rPr lang="es-MX" b="1" dirty="0" smtClean="0"/>
-              <a:t>prácticas: Historias de usuarios</a:t>
-            </a:r>
-            <a:endParaRPr lang="es-MX" dirty="0"/>
-          </a:p>
-        </p:txBody>
-      </p:sp>
-    </p:spTree>
-    <p:extLst>
-      <p:ext uri="{BB962C8B-B14F-4D97-AF65-F5344CB8AC3E}">
-        <p14:creationId xmlns:p14="http://schemas.microsoft.com/office/powerpoint/2010/main" val="3968475750"/>
-      </p:ext>
-    </p:extLst>
-  </p:cSld>
-  <p:clrMapOvr>
-    <a:masterClrMapping/>
-  </p:clrMapOvr>
-  <mc:AlternateContent xmlns:mc="http://schemas.openxmlformats.org/markup-compatibility/2006" xmlns:p14="http://schemas.microsoft.com/office/powerpoint/2010/main">
-    <mc:Choice Requires="p14">
-      <p:transition spd="slow" p14:dur="2000"/>
-    </mc:Choice>
-    <mc:Fallback xmlns="">
-      <p:transition spd="slow"/>
-    </mc:Fallback>
-  </mc:AlternateContent>
-  <p:timing>
-    <p:tnLst>
-      <p:par>
-        <p:cTn id="1" dur="indefinite" restart="never" nodeType="tmRoot"/>
-      </p:par>
-    </p:tnLst>
-  </p:timing>
-</p:sld>
-</file>
-
 <file path=ppt/slides/slide2.xml><?xml version="1.0" encoding="utf-8"?>
 <p:sld xmlns:a="http://schemas.openxmlformats.org/drawingml/2006/main" xmlns:r="http://schemas.openxmlformats.org/officeDocument/2006/relationships" xmlns:p="http://schemas.openxmlformats.org/presentationml/2006/main">
   <p:cSld>
@@ -15611,188 +15124,6 @@
         </p:nvSpPr>
         <p:spPr>
           <a:xfrm>
-            <a:off x="818712" y="2222287"/>
-            <a:ext cx="10554574" cy="2336834"/>
-          </a:xfrm>
-        </p:spPr>
-        <p:txBody>
-          <a:bodyPr>
-            <a:normAutofit/>
-          </a:bodyPr>
-          <a:lstStyle/>
-          <a:p>
-            <a:pPr lvl="0"/>
-            <a:r>
-              <a:rPr lang="es-ES" dirty="0"/>
-              <a:t>Obtención de las historias de usuario del </a:t>
-            </a:r>
-            <a:r>
-              <a:rPr lang="es-ES" dirty="0" smtClean="0"/>
-              <a:t>proyecto.</a:t>
-            </a:r>
-            <a:endParaRPr lang="es-MX" dirty="0"/>
-          </a:p>
-          <a:p>
-            <a:pPr lvl="0"/>
-            <a:r>
-              <a:rPr lang="es-ES" dirty="0" smtClean="0"/>
-              <a:t>Estimar </a:t>
-            </a:r>
-            <a:r>
-              <a:rPr lang="es-ES" dirty="0"/>
-              <a:t>la </a:t>
-            </a:r>
-            <a:r>
-              <a:rPr lang="es-ES" dirty="0" smtClean="0"/>
-              <a:t>velocidad.</a:t>
-            </a:r>
-            <a:endParaRPr lang="es-MX" dirty="0"/>
-          </a:p>
-          <a:p>
-            <a:r>
-              <a:rPr lang="es-ES" dirty="0" smtClean="0"/>
-              <a:t>Planificar.</a:t>
-            </a:r>
-          </a:p>
-          <a:p>
-            <a:pPr lvl="0"/>
-            <a:r>
-              <a:rPr lang="es-ES" dirty="0"/>
-              <a:t>Asumir la </a:t>
-            </a:r>
-            <a:r>
-              <a:rPr lang="es-ES" dirty="0" smtClean="0"/>
-              <a:t>realidad</a:t>
-            </a:r>
-            <a:r>
-              <a:rPr lang="es-MX" dirty="0" smtClean="0"/>
-              <a:t>.</a:t>
-            </a:r>
-            <a:endParaRPr lang="es-MX" dirty="0"/>
-          </a:p>
-        </p:txBody>
-      </p:sp>
-      <p:sp>
-        <p:nvSpPr>
-          <p:cNvPr id="2" name="Título 1"/>
-          <p:cNvSpPr>
-            <a:spLocks noGrp="1"/>
-          </p:cNvSpPr>
-          <p:nvPr>
-            <p:ph type="title"/>
-          </p:nvPr>
-        </p:nvSpPr>
-        <p:spPr/>
-        <p:txBody>
-          <a:bodyPr/>
-          <a:lstStyle/>
-          <a:p>
-            <a:r>
-              <a:rPr lang="es-ES" dirty="0" smtClean="0"/>
-              <a:t>Etapas: Historias de usuarios</a:t>
-            </a:r>
-            <a:endParaRPr lang="es-MX" dirty="0"/>
-          </a:p>
-        </p:txBody>
-      </p:sp>
-      <p:pic>
-        <p:nvPicPr>
-          <p:cNvPr id="4" name="Imagen 3" descr="http://3.bp.blogspot.com/-LzNawIVFZSU/URfBjNvDBXI/AAAAAAAAAM8/w2SMVFPXpV0/s320/histusuario-poker.png">
-            <a:hlinkClick r:id="rId2"/>
-          </p:cNvPr>
-          <p:cNvPicPr/>
-          <p:nvPr/>
-        </p:nvPicPr>
-        <p:blipFill>
-          <a:blip r:embed="rId3">
-            <a:extLst>
-              <a:ext uri="{28A0092B-C50C-407E-A947-70E740481C1C}">
-                <a14:useLocalDpi xmlns:a14="http://schemas.microsoft.com/office/drawing/2010/main" val="0"/>
-              </a:ext>
-            </a:extLst>
-          </a:blip>
-          <a:srcRect/>
-          <a:stretch>
-            <a:fillRect/>
-          </a:stretch>
-        </p:blipFill>
-        <p:spPr bwMode="auto">
-          <a:xfrm>
-            <a:off x="7929065" y="3197521"/>
-            <a:ext cx="2421255" cy="3050540"/>
-          </a:xfrm>
-          <a:prstGeom prst="rect">
-            <a:avLst/>
-          </a:prstGeom>
-          <a:ln>
-            <a:noFill/>
-          </a:ln>
-          <a:effectLst>
-            <a:outerShdw blurRad="190500" algn="tl" rotWithShape="0">
-              <a:srgbClr val="000000">
-                <a:alpha val="70000"/>
-              </a:srgbClr>
-            </a:outerShdw>
-          </a:effectLst>
-        </p:spPr>
-      </p:pic>
-    </p:spTree>
-    <p:extLst>
-      <p:ext uri="{BB962C8B-B14F-4D97-AF65-F5344CB8AC3E}">
-        <p14:creationId xmlns:p14="http://schemas.microsoft.com/office/powerpoint/2010/main" val="1304463343"/>
-      </p:ext>
-    </p:extLst>
-  </p:cSld>
-  <p:clrMapOvr>
-    <a:masterClrMapping/>
-  </p:clrMapOvr>
-  <mc:AlternateContent xmlns:mc="http://schemas.openxmlformats.org/markup-compatibility/2006" xmlns:p14="http://schemas.microsoft.com/office/powerpoint/2010/main">
-    <mc:Choice Requires="p14">
-      <p:transition spd="slow" p14:dur="2000"/>
-    </mc:Choice>
-    <mc:Fallback xmlns="">
-      <p:transition spd="slow"/>
-    </mc:Fallback>
-  </mc:AlternateContent>
-  <p:timing>
-    <p:tnLst>
-      <p:par>
-        <p:cTn id="1" dur="indefinite" restart="never" nodeType="tmRoot"/>
-      </p:par>
-    </p:tnLst>
-  </p:timing>
-</p:sld>
-</file>
-
-<file path=ppt/slides/slide6.xml><?xml version="1.0" encoding="utf-8"?>
-<p:sld xmlns:a="http://schemas.openxmlformats.org/drawingml/2006/main" xmlns:r="http://schemas.openxmlformats.org/officeDocument/2006/relationships" xmlns:p="http://schemas.openxmlformats.org/presentationml/2006/main">
-  <p:cSld>
-    <p:spTree>
-      <p:nvGrpSpPr>
-        <p:cNvPr id="1" name=""/>
-        <p:cNvGrpSpPr/>
-        <p:nvPr/>
-      </p:nvGrpSpPr>
-      <p:grpSpPr>
-        <a:xfrm>
-          <a:off x="0" y="0"/>
-          <a:ext cx="0" cy="0"/>
-          <a:chOff x="0" y="0"/>
-          <a:chExt cx="0" cy="0"/>
-        </a:xfrm>
-      </p:grpSpPr>
-      <p:sp>
-        <p:nvSpPr>
-          <p:cNvPr id="3" name="Marcador de contenido 2"/>
-          <p:cNvSpPr>
-            <a:spLocks noGrp="1"/>
-          </p:cNvSpPr>
-          <p:nvPr>
-            <p:ph idx="1"/>
-          </p:nvPr>
-        </p:nvSpPr>
-        <p:spPr>
-          <a:xfrm>
             <a:off x="818711" y="2222287"/>
             <a:ext cx="10810911" cy="3753510"/>
           </a:xfrm>
@@ -15908,7 +15239,7 @@
 </p:sld>
 </file>
 
-<file path=ppt/slides/slide7.xml><?xml version="1.0" encoding="utf-8"?>
+<file path=ppt/slides/slide6.xml><?xml version="1.0" encoding="utf-8"?>
 <p:sld xmlns:a="http://schemas.openxmlformats.org/drawingml/2006/main" xmlns:r="http://schemas.openxmlformats.org/officeDocument/2006/relationships" xmlns:p="http://schemas.openxmlformats.org/presentationml/2006/main">
   <p:cSld>
     <p:spTree>
@@ -16006,7 +15337,7 @@
 </p:sld>
 </file>
 
-<file path=ppt/slides/slide8.xml><?xml version="1.0" encoding="utf-8"?>
+<file path=ppt/slides/slide7.xml><?xml version="1.0" encoding="utf-8"?>
 <p:sld xmlns:a="http://schemas.openxmlformats.org/drawingml/2006/main" xmlns:r="http://schemas.openxmlformats.org/officeDocument/2006/relationships" xmlns:p="http://schemas.openxmlformats.org/presentationml/2006/main">
   <p:cSld>
     <p:spTree>
@@ -16214,180 +15545,6 @@
   <p:clrMapOvr>
     <a:masterClrMapping/>
   </p:clrMapOvr>
-</p:sld>
-</file>
-
-<file path=ppt/slides/slide9.xml><?xml version="1.0" encoding="utf-8"?>
-<p:sld xmlns:a="http://schemas.openxmlformats.org/drawingml/2006/main" xmlns:r="http://schemas.openxmlformats.org/officeDocument/2006/relationships" xmlns:p="http://schemas.openxmlformats.org/presentationml/2006/main">
-  <p:cSld>
-    <p:spTree>
-      <p:nvGrpSpPr>
-        <p:cNvPr id="1" name=""/>
-        <p:cNvGrpSpPr/>
-        <p:nvPr/>
-      </p:nvGrpSpPr>
-      <p:grpSpPr>
-        <a:xfrm>
-          <a:off x="0" y="0"/>
-          <a:ext cx="0" cy="0"/>
-          <a:chOff x="0" y="0"/>
-          <a:chExt cx="0" cy="0"/>
-        </a:xfrm>
-      </p:grpSpPr>
-      <p:sp>
-        <p:nvSpPr>
-          <p:cNvPr id="3" name="Marcador de contenido 2"/>
-          <p:cNvSpPr>
-            <a:spLocks noGrp="1"/>
-          </p:cNvSpPr>
-          <p:nvPr>
-            <p:ph idx="1"/>
-          </p:nvPr>
-        </p:nvSpPr>
-        <p:spPr>
-          <a:xfrm>
-            <a:off x="818711" y="2009104"/>
-            <a:ext cx="10810911" cy="3330207"/>
-          </a:xfrm>
-        </p:spPr>
-        <p:txBody>
-          <a:bodyPr>
-            <a:normAutofit/>
-          </a:bodyPr>
-          <a:lstStyle/>
-          <a:p>
-            <a:r>
-              <a:rPr lang="es-MX" sz="2400" dirty="0" smtClean="0"/>
-              <a:t>Identificador </a:t>
-            </a:r>
-            <a:r>
-              <a:rPr lang="es-MX" sz="2400" dirty="0"/>
-              <a:t>para la funcionalidad</a:t>
-            </a:r>
-            <a:r>
-              <a:rPr lang="es-MX" sz="2400" dirty="0" smtClean="0"/>
-              <a:t>.</a:t>
-            </a:r>
-            <a:endParaRPr lang="es-MX" sz="2400" dirty="0"/>
-          </a:p>
-          <a:p>
-            <a:r>
-              <a:rPr lang="es-MX" sz="2400" dirty="0"/>
-              <a:t>Descripción de la funcionalidad</a:t>
-            </a:r>
-            <a:r>
-              <a:rPr lang="es-MX" sz="2400" dirty="0" smtClean="0"/>
-              <a:t>.</a:t>
-            </a:r>
-            <a:endParaRPr lang="es-MX" sz="2400" dirty="0"/>
-          </a:p>
-          <a:p>
-            <a:r>
-              <a:rPr lang="es-MX" sz="2400" dirty="0"/>
-              <a:t>Sistema de priorización u orden</a:t>
-            </a:r>
-            <a:r>
-              <a:rPr lang="es-MX" sz="2400" dirty="0" smtClean="0"/>
-              <a:t>.</a:t>
-            </a:r>
-            <a:endParaRPr lang="es-MX" sz="2400" dirty="0"/>
-          </a:p>
-          <a:p>
-            <a:r>
-              <a:rPr lang="es-MX" sz="2400" dirty="0"/>
-              <a:t>Estimación.</a:t>
-            </a:r>
-          </a:p>
-          <a:p>
-            <a:pPr algn="just" fontAlgn="base"/>
-            <a:endParaRPr lang="es-MX" sz="1900" dirty="0"/>
-          </a:p>
-        </p:txBody>
-      </p:sp>
-      <p:sp>
-        <p:nvSpPr>
-          <p:cNvPr id="2" name="Título 1"/>
-          <p:cNvSpPr>
-            <a:spLocks noGrp="1"/>
-          </p:cNvSpPr>
-          <p:nvPr>
-            <p:ph type="title"/>
-          </p:nvPr>
-        </p:nvSpPr>
-        <p:spPr/>
-        <p:txBody>
-          <a:bodyPr>
-            <a:normAutofit/>
-          </a:bodyPr>
-          <a:lstStyle/>
-          <a:p>
-            <a:r>
-              <a:rPr lang="es-MX" dirty="0" err="1" smtClean="0"/>
-              <a:t>Backlog</a:t>
-            </a:r>
-            <a:r>
-              <a:rPr lang="es-MX" dirty="0" smtClean="0"/>
-              <a:t> Pila del Producto</a:t>
-            </a:r>
-            <a:endParaRPr lang="es-MX" dirty="0"/>
-          </a:p>
-        </p:txBody>
-      </p:sp>
-      <p:pic>
-        <p:nvPicPr>
-          <p:cNvPr id="4" name="3 Imagen"/>
-          <p:cNvPicPr>
-            <a:picLocks noChangeAspect="1"/>
-          </p:cNvPicPr>
-          <p:nvPr/>
-        </p:nvPicPr>
-        <p:blipFill>
-          <a:blip r:embed="rId2">
-            <a:extLst>
-              <a:ext uri="{28A0092B-C50C-407E-A947-70E740481C1C}">
-                <a14:useLocalDpi xmlns:a14="http://schemas.microsoft.com/office/drawing/2010/main" val="0"/>
-              </a:ext>
-            </a:extLst>
-          </a:blip>
-          <a:stretch>
-            <a:fillRect/>
-          </a:stretch>
-        </p:blipFill>
-        <p:spPr>
-          <a:xfrm>
-            <a:off x="2184361" y="3920028"/>
-            <a:ext cx="6973274" cy="1619476"/>
-          </a:xfrm>
-          <a:prstGeom prst="rect">
-            <a:avLst/>
-          </a:prstGeom>
-        </p:spPr>
-      </p:pic>
-    </p:spTree>
-    <p:extLst>
-      <p:ext uri="{BB962C8B-B14F-4D97-AF65-F5344CB8AC3E}">
-        <p14:creationId xmlns:p14="http://schemas.microsoft.com/office/powerpoint/2010/main" val="3275419788"/>
-      </p:ext>
-    </p:extLst>
-  </p:cSld>
-  <p:clrMapOvr>
-    <a:masterClrMapping/>
-  </p:clrMapOvr>
-  <mc:AlternateContent xmlns:mc="http://schemas.openxmlformats.org/markup-compatibility/2006" xmlns:p14="http://schemas.microsoft.com/office/powerpoint/2010/main">
-    <mc:Choice Requires="p14">
-      <p:transition spd="slow" p14:dur="2000"/>
-    </mc:Choice>
-    <mc:Fallback xmlns="">
-      <p:transition spd="slow"/>
-    </mc:Fallback>
-  </mc:AlternateContent>
-  <p:timing>
-    <p:tnLst>
-      <p:par>
-        <p:cTn id="1" dur="indefinite" restart="never" nodeType="tmRoot"/>
-      </p:par>
-    </p:tnLst>
-  </p:timing>
 </p:sld>
 </file>
 

--- a/Exposiciones/Puntos por historia de usuarioHVG.pptx
+++ b/Exposiciones/Puntos por historia de usuarioHVG.pptx
@@ -112,7 +112,7 @@
   </p:defaultTextStyle>
   <p:extLst>
     <p:ext uri="{EFAFB233-063F-42B5-8137-9DF3F51BA10A}">
-      <p15:sldGuideLst xmlns="" xmlns:p15="http://schemas.microsoft.com/office/powerpoint/2012/main"/>
+      <p15:sldGuideLst xmlns:p15="http://schemas.microsoft.com/office/powerpoint/2012/main" xmlns=""/>
     </p:ext>
   </p:extLst>
 </p:presentation>
@@ -1930,7 +1930,7 @@
           <a:p>
             <a:fld id="{EC2A29EB-B1E9-45F6-B8D4-76E91716F2C0}" type="datetimeFigureOut">
               <a:rPr lang="es-MX" smtClean="0"/>
-              <a:t>05/03/2015</a:t>
+              <a:t>06/03/2015</a:t>
             </a:fld>
             <a:endParaRPr lang="es-MX"/>
           </a:p>
@@ -2111,7 +2111,7 @@
           <a:p>
             <a:fld id="{EC2A29EB-B1E9-45F6-B8D4-76E91716F2C0}" type="datetimeFigureOut">
               <a:rPr lang="es-MX" smtClean="0"/>
-              <a:t>05/03/2015</a:t>
+              <a:t>06/03/2015</a:t>
             </a:fld>
             <a:endParaRPr lang="es-MX"/>
           </a:p>
@@ -2262,7 +2262,7 @@
           <a:p>
             <a:fld id="{EC2A29EB-B1E9-45F6-B8D4-76E91716F2C0}" type="datetimeFigureOut">
               <a:rPr lang="es-MX" smtClean="0"/>
-              <a:t>05/03/2015</a:t>
+              <a:t>06/03/2015</a:t>
             </a:fld>
             <a:endParaRPr lang="es-MX"/>
           </a:p>
@@ -4088,7 +4088,7 @@
           <a:p>
             <a:fld id="{EC2A29EB-B1E9-45F6-B8D4-76E91716F2C0}" type="datetimeFigureOut">
               <a:rPr lang="es-MX" smtClean="0"/>
-              <a:t>05/03/2015</a:t>
+              <a:t>06/03/2015</a:t>
             </a:fld>
             <a:endParaRPr lang="es-MX"/>
           </a:p>
@@ -5958,7 +5958,7 @@
           <a:p>
             <a:fld id="{EC2A29EB-B1E9-45F6-B8D4-76E91716F2C0}" type="datetimeFigureOut">
               <a:rPr lang="es-MX" smtClean="0"/>
-              <a:t>05/03/2015</a:t>
+              <a:t>06/03/2015</a:t>
             </a:fld>
             <a:endParaRPr lang="es-MX"/>
           </a:p>
@@ -6071,7 +6071,7 @@
           <a:p>
             <a:fld id="{EC2A29EB-B1E9-45F6-B8D4-76E91716F2C0}" type="datetimeFigureOut">
               <a:rPr lang="es-MX" smtClean="0"/>
-              <a:t>05/03/2015</a:t>
+              <a:t>06/03/2015</a:t>
             </a:fld>
             <a:endParaRPr lang="es-MX"/>
           </a:p>
@@ -6612,7 +6612,7 @@
           <a:p>
             <a:fld id="{EC2A29EB-B1E9-45F6-B8D4-76E91716F2C0}" type="datetimeFigureOut">
               <a:rPr lang="es-MX" smtClean="0"/>
-              <a:t>05/03/2015</a:t>
+              <a:t>06/03/2015</a:t>
             </a:fld>
             <a:endParaRPr lang="es-MX"/>
           </a:p>
@@ -6725,7 +6725,7 @@
           <a:p>
             <a:fld id="{EC2A29EB-B1E9-45F6-B8D4-76E91716F2C0}" type="datetimeFigureOut">
               <a:rPr lang="es-MX" smtClean="0"/>
-              <a:t>05/03/2015</a:t>
+              <a:t>06/03/2015</a:t>
             </a:fld>
             <a:endParaRPr lang="es-MX"/>
           </a:p>
@@ -8436,7 +8436,7 @@
           <a:p>
             <a:fld id="{EC2A29EB-B1E9-45F6-B8D4-76E91716F2C0}" type="datetimeFigureOut">
               <a:rPr lang="es-MX" smtClean="0"/>
-              <a:t>05/03/2015</a:t>
+              <a:t>06/03/2015</a:t>
             </a:fld>
             <a:endParaRPr lang="es-MX"/>
           </a:p>
@@ -8587,7 +8587,7 @@
           <a:p>
             <a:fld id="{EC2A29EB-B1E9-45F6-B8D4-76E91716F2C0}" type="datetimeFigureOut">
               <a:rPr lang="es-MX" smtClean="0"/>
-              <a:t>05/03/2015</a:t>
+              <a:t>06/03/2015</a:t>
             </a:fld>
             <a:endParaRPr lang="es-MX"/>
           </a:p>
@@ -12202,7 +12202,7 @@
           <a:p>
             <a:fld id="{EC2A29EB-B1E9-45F6-B8D4-76E91716F2C0}" type="datetimeFigureOut">
               <a:rPr lang="es-MX" smtClean="0"/>
-              <a:t>05/03/2015</a:t>
+              <a:t>06/03/2015</a:t>
             </a:fld>
             <a:endParaRPr lang="es-MX"/>
           </a:p>
@@ -14061,7 +14061,7 @@
           <a:p>
             <a:fld id="{EC2A29EB-B1E9-45F6-B8D4-76E91716F2C0}" type="datetimeFigureOut">
               <a:rPr lang="es-MX" smtClean="0"/>
-              <a:t>05/03/2015</a:t>
+              <a:t>06/03/2015</a:t>
             </a:fld>
             <a:endParaRPr lang="es-MX"/>
           </a:p>
